--- a/Necesario.PPT.pptx
+++ b/Necesario.PPT.pptx
@@ -7819,6 +7819,10 @@
           <a:bodyPr/>
           <a:lstStyle/>
           <a:p>
+            <a:r>
+              <a:rPr lang="en-US" dirty="0" smtClean="0"/>
+              <a:t>Whenever I travel , I would choose to ride in plane because </a:t>
+            </a:r>
             <a:endParaRPr lang="en-US" dirty="0"/>
           </a:p>
         </p:txBody>
@@ -8024,13 +8028,18 @@
               <a:buNone/>
             </a:pPr>
             <a:r>
-              <a:rPr lang="en-US" dirty="0">
+              <a:rPr lang="en-US" smtClean="0">
                 <a:solidFill>
                   <a:srgbClr val="FFFFFF"/>
                 </a:solidFill>
               </a:rPr>
-              <a:t>someone@example.com</a:t>
+              <a:t>Justinekyle@yahoo.com</a:t>
             </a:r>
+            <a:endParaRPr lang="en-US" dirty="0">
+              <a:solidFill>
+                <a:srgbClr val="FFFFFF"/>
+              </a:solidFill>
+            </a:endParaRPr>
           </a:p>
           <a:p>
             <a:endParaRPr lang="en-US" dirty="0">

--- a/Necesario.PPT.pptx
+++ b/Necesario.PPT.pptx
@@ -5,17 +5,20 @@
     <p:sldMasterId id="2147483876" r:id="rId4"/>
   </p:sldMasterIdLst>
   <p:notesMasterIdLst>
-    <p:notesMasterId r:id="rId10"/>
+    <p:notesMasterId r:id="rId13"/>
   </p:notesMasterIdLst>
   <p:handoutMasterIdLst>
-    <p:handoutMasterId r:id="rId11"/>
+    <p:handoutMasterId r:id="rId14"/>
   </p:handoutMasterIdLst>
   <p:sldIdLst>
     <p:sldId id="256" r:id="rId5"/>
     <p:sldId id="257" r:id="rId6"/>
     <p:sldId id="258" r:id="rId7"/>
     <p:sldId id="259" r:id="rId8"/>
-    <p:sldId id="260" r:id="rId9"/>
+    <p:sldId id="261" r:id="rId9"/>
+    <p:sldId id="262" r:id="rId10"/>
+    <p:sldId id="263" r:id="rId11"/>
+    <p:sldId id="260" r:id="rId12"/>
   </p:sldIdLst>
   <p:sldSz cx="12192000" cy="6858000"/>
   <p:notesSz cx="6858000" cy="9144000"/>
@@ -3943,7 +3946,7 @@
           <a:p>
             <a:fld id="{28E8DF69-FFB1-4D3A-9D8C-5887E79674D9}" type="slidenum">
               <a:rPr lang="en-US" smtClean="0"/>
-              <a:t>5</a:t>
+              <a:t>8</a:t>
             </a:fld>
             <a:endParaRPr lang="en-US" dirty="0"/>
           </a:p>
@@ -7394,16 +7397,20 @@
           <a:lstStyle/>
           <a:p>
             <a:r>
-              <a:rPr lang="en-US" sz="2000" dirty="0" err="1" smtClean="0"/>
-              <a:t>Studen</a:t>
+              <a:rPr lang="en-US" sz="2000" dirty="0" smtClean="0"/>
+              <a:t>Student </a:t>
             </a:r>
             <a:r>
               <a:rPr lang="en-US" sz="2000" dirty="0"/>
-              <a:t> </a:t>
+              <a:t>N</a:t>
             </a:r>
             <a:r>
               <a:rPr lang="en-US" sz="2000" dirty="0" smtClean="0"/>
-              <a:t>name:</a:t>
+              <a:t>ame</a:t>
+            </a:r>
+            <a:r>
+              <a:rPr lang="en-US" sz="2000" dirty="0" smtClean="0"/>
+              <a:t>:</a:t>
             </a:r>
             <a:r>
               <a:rPr lang="en-US" sz="2000" dirty="0"/>
@@ -7823,6 +7830,11 @@
               <a:rPr lang="en-US" dirty="0" smtClean="0"/>
               <a:t>Whenever I travel , I would choose to ride in plane because </a:t>
             </a:r>
+          </a:p>
+          <a:p>
+            <a:endParaRPr lang="en-US" dirty="0"/>
+          </a:p>
+          <a:p>
             <a:endParaRPr lang="en-US" dirty="0"/>
           </a:p>
         </p:txBody>
@@ -7841,6 +7853,357 @@
 </file>
 
 <file path=ppt/slides/slide5.xml><?xml version="1.0" encoding="utf-8"?>
+<p:sld xmlns:a="http://schemas.openxmlformats.org/drawingml/2006/main" xmlns:r="http://schemas.openxmlformats.org/officeDocument/2006/relationships" xmlns:p="http://schemas.openxmlformats.org/presentationml/2006/main">
+  <p:cSld>
+    <p:spTree>
+      <p:nvGrpSpPr>
+        <p:cNvPr id="1" name=""/>
+        <p:cNvGrpSpPr/>
+        <p:nvPr/>
+      </p:nvGrpSpPr>
+      <p:grpSpPr>
+        <a:xfrm>
+          <a:off x="0" y="0"/>
+          <a:ext cx="0" cy="0"/>
+          <a:chOff x="0" y="0"/>
+          <a:chExt cx="0" cy="0"/>
+        </a:xfrm>
+      </p:grpSpPr>
+      <p:sp>
+        <p:nvSpPr>
+          <p:cNvPr id="4" name="Title 3"/>
+          <p:cNvSpPr>
+            <a:spLocks noGrp="1"/>
+          </p:cNvSpPr>
+          <p:nvPr>
+            <p:ph type="title"/>
+          </p:nvPr>
+        </p:nvSpPr>
+        <p:spPr>
+          <a:xfrm>
+            <a:off x="1080655" y="609600"/>
+            <a:ext cx="9875520" cy="1356360"/>
+          </a:xfrm>
+        </p:spPr>
+        <p:txBody>
+          <a:bodyPr/>
+          <a:lstStyle/>
+          <a:p>
+            <a:r>
+              <a:rPr lang="en-US" dirty="0" smtClean="0"/>
+              <a:t>MY FAVORITE DESTINATION</a:t>
+            </a:r>
+            <a:endParaRPr lang="en-US" dirty="0"/>
+          </a:p>
+        </p:txBody>
+      </p:sp>
+      <p:sp>
+        <p:nvSpPr>
+          <p:cNvPr id="5" name="Text Placeholder 4"/>
+          <p:cNvSpPr>
+            <a:spLocks noGrp="1"/>
+          </p:cNvSpPr>
+          <p:nvPr>
+            <p:ph type="body" idx="1"/>
+          </p:nvPr>
+        </p:nvSpPr>
+        <p:spPr/>
+        <p:txBody>
+          <a:bodyPr/>
+          <a:lstStyle/>
+          <a:p>
+            <a:r>
+              <a:rPr lang="en-US" dirty="0" smtClean="0"/>
+              <a:t>LAKE HOLON</a:t>
+            </a:r>
+            <a:endParaRPr lang="en-US" dirty="0"/>
+          </a:p>
+        </p:txBody>
+      </p:sp>
+      <p:pic>
+        <p:nvPicPr>
+          <p:cNvPr id="10" name="Content Placeholder 9"/>
+          <p:cNvPicPr>
+            <a:picLocks noGrp="1" noChangeAspect="1"/>
+          </p:cNvPicPr>
+          <p:nvPr>
+            <p:ph sz="half" idx="2"/>
+          </p:nvPr>
+        </p:nvPicPr>
+        <p:blipFill>
+          <a:blip r:embed="rId2">
+            <a:extLst>
+              <a:ext uri="{28A0092B-C50C-407E-A947-70E740481C1C}">
+                <a14:useLocalDpi xmlns:a14="http://schemas.microsoft.com/office/drawing/2010/main" val="0"/>
+              </a:ext>
+            </a:extLst>
+          </a:blip>
+          <a:stretch>
+            <a:fillRect/>
+          </a:stretch>
+        </p:blipFill>
+        <p:spPr>
+          <a:xfrm>
+            <a:off x="1175400" y="2810019"/>
+            <a:ext cx="4286782" cy="2853027"/>
+          </a:xfrm>
+        </p:spPr>
+      </p:pic>
+      <p:sp>
+        <p:nvSpPr>
+          <p:cNvPr id="7" name="Text Placeholder 6"/>
+          <p:cNvSpPr>
+            <a:spLocks noGrp="1"/>
+          </p:cNvSpPr>
+          <p:nvPr>
+            <p:ph type="body" sz="quarter" idx="3"/>
+          </p:nvPr>
+        </p:nvSpPr>
+        <p:spPr/>
+        <p:txBody>
+          <a:bodyPr/>
+          <a:lstStyle/>
+          <a:p>
+            <a:r>
+              <a:rPr lang="en-US" dirty="0" smtClean="0"/>
+              <a:t>MALDIVES</a:t>
+            </a:r>
+            <a:endParaRPr lang="en-US" dirty="0"/>
+          </a:p>
+        </p:txBody>
+      </p:sp>
+      <p:pic>
+        <p:nvPicPr>
+          <p:cNvPr id="9" name="Content Placeholder 8"/>
+          <p:cNvPicPr>
+            <a:picLocks noGrp="1" noChangeAspect="1"/>
+          </p:cNvPicPr>
+          <p:nvPr>
+            <p:ph sz="quarter" idx="4"/>
+          </p:nvPr>
+        </p:nvPicPr>
+        <p:blipFill>
+          <a:blip r:embed="rId3">
+            <a:extLst>
+              <a:ext uri="{28A0092B-C50C-407E-A947-70E740481C1C}">
+                <a14:useLocalDpi xmlns:a14="http://schemas.microsoft.com/office/drawing/2010/main" val="0"/>
+              </a:ext>
+            </a:extLst>
+          </a:blip>
+          <a:stretch>
+            <a:fillRect/>
+          </a:stretch>
+        </p:blipFill>
+        <p:spPr>
+          <a:xfrm>
+            <a:off x="6338455" y="2743200"/>
+            <a:ext cx="4405745" cy="3003918"/>
+          </a:xfrm>
+        </p:spPr>
+      </p:pic>
+    </p:spTree>
+    <p:extLst>
+      <p:ext uri="{BB962C8B-B14F-4D97-AF65-F5344CB8AC3E}">
+        <p14:creationId xmlns:p14="http://schemas.microsoft.com/office/powerpoint/2010/main" val="3798467446"/>
+      </p:ext>
+    </p:extLst>
+  </p:cSld>
+  <p:clrMapOvr>
+    <a:masterClrMapping/>
+  </p:clrMapOvr>
+</p:sld>
+</file>
+
+<file path=ppt/slides/slide6.xml><?xml version="1.0" encoding="utf-8"?>
+<p:sld xmlns:a="http://schemas.openxmlformats.org/drawingml/2006/main" xmlns:r="http://schemas.openxmlformats.org/officeDocument/2006/relationships" xmlns:p="http://schemas.openxmlformats.org/presentationml/2006/main">
+  <p:cSld>
+    <p:spTree>
+      <p:nvGrpSpPr>
+        <p:cNvPr id="1" name=""/>
+        <p:cNvGrpSpPr/>
+        <p:nvPr/>
+      </p:nvGrpSpPr>
+      <p:grpSpPr>
+        <a:xfrm>
+          <a:off x="0" y="0"/>
+          <a:ext cx="0" cy="0"/>
+          <a:chOff x="0" y="0"/>
+          <a:chExt cx="0" cy="0"/>
+        </a:xfrm>
+      </p:grpSpPr>
+      <p:sp>
+        <p:nvSpPr>
+          <p:cNvPr id="7" name="Title 6"/>
+          <p:cNvSpPr>
+            <a:spLocks noGrp="1"/>
+          </p:cNvSpPr>
+          <p:nvPr>
+            <p:ph type="title"/>
+          </p:nvPr>
+        </p:nvSpPr>
+        <p:spPr/>
+        <p:txBody>
+          <a:bodyPr/>
+          <a:lstStyle/>
+          <a:p>
+            <a:r>
+              <a:rPr lang="en-US" dirty="0" smtClean="0"/>
+              <a:t>MY FIRST TRAVEL</a:t>
+            </a:r>
+            <a:endParaRPr lang="en-US" dirty="0"/>
+          </a:p>
+        </p:txBody>
+      </p:sp>
+      <p:sp>
+        <p:nvSpPr>
+          <p:cNvPr id="8" name="Picture Placeholder 7"/>
+          <p:cNvSpPr>
+            <a:spLocks noGrp="1"/>
+          </p:cNvSpPr>
+          <p:nvPr>
+            <p:ph type="pic" idx="1"/>
+          </p:nvPr>
+        </p:nvSpPr>
+        <p:spPr/>
+      </p:sp>
+      <p:sp>
+        <p:nvSpPr>
+          <p:cNvPr id="9" name="Text Placeholder 8"/>
+          <p:cNvSpPr>
+            <a:spLocks noGrp="1"/>
+          </p:cNvSpPr>
+          <p:nvPr>
+            <p:ph type="body" sz="half" idx="2"/>
+          </p:nvPr>
+        </p:nvSpPr>
+        <p:spPr/>
+        <p:txBody>
+          <a:bodyPr/>
+          <a:lstStyle/>
+          <a:p>
+            <a:r>
+              <a:rPr lang="en-US" dirty="0" smtClean="0"/>
+              <a:t>	- I like to travel here because……………………………………………………………………..</a:t>
+            </a:r>
+            <a:endParaRPr lang="en-US" dirty="0"/>
+          </a:p>
+        </p:txBody>
+      </p:sp>
+    </p:spTree>
+    <p:extLst>
+      <p:ext uri="{BB962C8B-B14F-4D97-AF65-F5344CB8AC3E}">
+        <p14:creationId xmlns:p14="http://schemas.microsoft.com/office/powerpoint/2010/main" val="536323657"/>
+      </p:ext>
+    </p:extLst>
+  </p:cSld>
+  <p:clrMapOvr>
+    <a:masterClrMapping/>
+  </p:clrMapOvr>
+</p:sld>
+</file>
+
+<file path=ppt/slides/slide7.xml><?xml version="1.0" encoding="utf-8"?>
+<p:sld xmlns:a="http://schemas.openxmlformats.org/drawingml/2006/main" xmlns:r="http://schemas.openxmlformats.org/officeDocument/2006/relationships" xmlns:p="http://schemas.openxmlformats.org/presentationml/2006/main">
+  <p:cSld>
+    <p:spTree>
+      <p:nvGrpSpPr>
+        <p:cNvPr id="1" name=""/>
+        <p:cNvGrpSpPr/>
+        <p:nvPr/>
+      </p:nvGrpSpPr>
+      <p:grpSpPr>
+        <a:xfrm>
+          <a:off x="0" y="0"/>
+          <a:ext cx="0" cy="0"/>
+          <a:chOff x="0" y="0"/>
+          <a:chExt cx="0" cy="0"/>
+        </a:xfrm>
+      </p:grpSpPr>
+      <p:sp>
+        <p:nvSpPr>
+          <p:cNvPr id="5" name="Title 4"/>
+          <p:cNvSpPr>
+            <a:spLocks noGrp="1"/>
+          </p:cNvSpPr>
+          <p:nvPr>
+            <p:ph type="title"/>
+          </p:nvPr>
+        </p:nvSpPr>
+        <p:spPr/>
+        <p:txBody>
+          <a:bodyPr/>
+          <a:lstStyle/>
+          <a:p>
+            <a:r>
+              <a:rPr lang="en-US" dirty="0" smtClean="0"/>
+              <a:t>MY TARGET DESTINATION</a:t>
+            </a:r>
+            <a:endParaRPr lang="en-US" dirty="0"/>
+          </a:p>
+        </p:txBody>
+      </p:sp>
+      <p:pic>
+        <p:nvPicPr>
+          <p:cNvPr id="8" name="Content Placeholder 7"/>
+          <p:cNvPicPr>
+            <a:picLocks noGrp="1" noChangeAspect="1"/>
+          </p:cNvPicPr>
+          <p:nvPr>
+            <p:ph sz="half" idx="1"/>
+          </p:nvPr>
+        </p:nvPicPr>
+        <p:blipFill>
+          <a:blip r:embed="rId2">
+            <a:extLst>
+              <a:ext uri="{28A0092B-C50C-407E-A947-70E740481C1C}">
+                <a14:useLocalDpi xmlns:a14="http://schemas.microsoft.com/office/drawing/2010/main" val="0"/>
+              </a:ext>
+            </a:extLst>
+          </a:blip>
+          <a:stretch>
+            <a:fillRect/>
+          </a:stretch>
+        </p:blipFill>
+        <p:spPr>
+          <a:xfrm>
+            <a:off x="1196181" y="2026948"/>
+            <a:ext cx="4778591" cy="4010169"/>
+          </a:xfrm>
+        </p:spPr>
+      </p:pic>
+      <p:sp>
+        <p:nvSpPr>
+          <p:cNvPr id="7" name="Content Placeholder 6"/>
+          <p:cNvSpPr>
+            <a:spLocks noGrp="1"/>
+          </p:cNvSpPr>
+          <p:nvPr>
+            <p:ph sz="half" idx="2"/>
+          </p:nvPr>
+        </p:nvSpPr>
+        <p:spPr/>
+        <p:txBody>
+          <a:bodyPr/>
+          <a:lstStyle/>
+          <a:p>
+            <a:endParaRPr lang="en-US"/>
+          </a:p>
+        </p:txBody>
+      </p:sp>
+    </p:spTree>
+    <p:extLst>
+      <p:ext uri="{BB962C8B-B14F-4D97-AF65-F5344CB8AC3E}">
+        <p14:creationId xmlns:p14="http://schemas.microsoft.com/office/powerpoint/2010/main" val="561517749"/>
+      </p:ext>
+    </p:extLst>
+  </p:cSld>
+  <p:clrMapOvr>
+    <a:masterClrMapping/>
+  </p:clrMapOvr>
+</p:sld>
+</file>
+
+<file path=ppt/slides/slide8.xml><?xml version="1.0" encoding="utf-8"?>
 <p:sld xmlns:a="http://schemas.openxmlformats.org/drawingml/2006/main" xmlns:r="http://schemas.openxmlformats.org/officeDocument/2006/relationships" xmlns:p="http://schemas.openxmlformats.org/presentationml/2006/main">
   <p:cSld>
     <p:bg>
@@ -8028,7 +8391,7 @@
               <a:buNone/>
             </a:pPr>
             <a:r>
-              <a:rPr lang="en-US" smtClean="0">
+              <a:rPr lang="en-US" dirty="0" smtClean="0">
                 <a:solidFill>
                   <a:srgbClr val="FFFFFF"/>
                 </a:solidFill>

--- a/Necesario.PPT.pptx
+++ b/Necesario.PPT.pptx
@@ -7476,6 +7476,16 @@
   <p:clrMapOvr>
     <a:masterClrMapping/>
   </p:clrMapOvr>
+  <p:transition spd="slow">
+    <p:push dir="u"/>
+  </p:transition>
+  <p:timing>
+    <p:tnLst>
+      <p:par>
+        <p:cTn id="1" dur="indefinite" restart="never" nodeType="tmRoot"/>
+      </p:par>
+    </p:tnLst>
+  </p:timing>
 </p:sld>
 </file>
 
@@ -7616,6 +7626,16 @@
   <p:clrMapOvr>
     <a:masterClrMapping/>
   </p:clrMapOvr>
+  <p:transition spd="slow">
+    <p:push dir="u"/>
+  </p:transition>
+  <p:timing>
+    <p:tnLst>
+      <p:par>
+        <p:cTn id="1" dur="indefinite" restart="never" nodeType="tmRoot"/>
+      </p:par>
+    </p:tnLst>
+  </p:timing>
 </p:sld>
 </file>
 
@@ -7708,6 +7728,13 @@
   <p:clrMapOvr>
     <a:masterClrMapping/>
   </p:clrMapOvr>
+  <p:timing>
+    <p:tnLst>
+      <p:par>
+        <p:cTn id="1" dur="indefinite" restart="never" nodeType="tmRoot"/>
+      </p:par>
+    </p:tnLst>
+  </p:timing>
 </p:sld>
 </file>
 
@@ -7849,6 +7876,13 @@
   <p:clrMapOvr>
     <a:masterClrMapping/>
   </p:clrMapOvr>
+  <p:timing>
+    <p:tnLst>
+      <p:par>
+        <p:cTn id="1" dur="indefinite" restart="never" nodeType="tmRoot"/>
+      </p:par>
+    </p:tnLst>
+  </p:timing>
 </p:sld>
 </file>
 
@@ -7944,7 +7978,7 @@
         </p:blipFill>
         <p:spPr>
           <a:xfrm>
-            <a:off x="1175400" y="2810019"/>
+            <a:off x="1061100" y="2726892"/>
             <a:ext cx="4286782" cy="2853027"/>
           </a:xfrm>
         </p:spPr>
@@ -7996,7 +8030,7 @@
         </p:blipFill>
         <p:spPr>
           <a:xfrm>
-            <a:off x="6338455" y="2743200"/>
+            <a:off x="5881255" y="2732809"/>
             <a:ext cx="4405745" cy="3003918"/>
           </a:xfrm>
         </p:spPr>
@@ -8011,6 +8045,25 @@
   <p:clrMapOvr>
     <a:masterClrMapping/>
   </p:clrMapOvr>
+  <mc:AlternateContent xmlns:mc="http://schemas.openxmlformats.org/markup-compatibility/2006">
+    <mc:Choice xmlns:p14="http://schemas.microsoft.com/office/powerpoint/2010/main" Requires="p14">
+      <p:transition spd="med" p14:dur="700">
+        <p:fade/>
+      </p:transition>
+    </mc:Choice>
+    <mc:Fallback>
+      <p:transition spd="med">
+        <p:fade/>
+      </p:transition>
+    </mc:Fallback>
+  </mc:AlternateContent>
+  <p:timing>
+    <p:tnLst>
+      <p:par>
+        <p:cTn id="1" dur="indefinite" restart="never" nodeType="tmRoot"/>
+      </p:par>
+    </p:tnLst>
+  </p:timing>
 </p:sld>
 </file>
 
@@ -8099,6 +8152,13 @@
   <p:clrMapOvr>
     <a:masterClrMapping/>
   </p:clrMapOvr>
+  <p:timing>
+    <p:tnLst>
+      <p:par>
+        <p:cTn id="1" dur="indefinite" restart="never" nodeType="tmRoot"/>
+      </p:par>
+    </p:tnLst>
+  </p:timing>
 </p:sld>
 </file>
 
@@ -8200,6 +8260,13 @@
   <p:clrMapOvr>
     <a:masterClrMapping/>
   </p:clrMapOvr>
+  <p:timing>
+    <p:tnLst>
+      <p:par>
+        <p:cTn id="1" dur="indefinite" restart="never" nodeType="tmRoot"/>
+      </p:par>
+    </p:tnLst>
+  </p:timing>
 </p:sld>
 </file>
 
@@ -8478,6 +8545,13 @@
   <p:clrMapOvr>
     <a:masterClrMapping/>
   </p:clrMapOvr>
+  <p:timing>
+    <p:tnLst>
+      <p:par>
+        <p:cTn id="1" dur="indefinite" restart="never" nodeType="tmRoot"/>
+      </p:par>
+    </p:tnLst>
+  </p:timing>
 </p:sld>
 </file>
 
